--- a/Chap/Prog02/Presentations/ConditionalStatements.pptx
+++ b/Chap/Prog02/Presentations/ConditionalStatements.pptx
@@ -275,7 +275,7 @@
           <a:p>
             <a:fld id="{E15B7D8E-2A20-4C0E-991C-872DBB7459A8}" type="datetimeFigureOut">
               <a:rPr lang="da-DK" smtClean="0"/>
-              <a:t>11-08-2022</a:t>
+              <a:t>24-08-2024</a:t>
             </a:fld>
             <a:endParaRPr lang="da-DK"/>
           </a:p>
@@ -443,7 +443,7 @@
           <a:p>
             <a:fld id="{E15B7D8E-2A20-4C0E-991C-872DBB7459A8}" type="datetimeFigureOut">
               <a:rPr lang="da-DK" smtClean="0"/>
-              <a:t>11-08-2022</a:t>
+              <a:t>24-08-2024</a:t>
             </a:fld>
             <a:endParaRPr lang="da-DK"/>
           </a:p>
@@ -621,7 +621,7 @@
           <a:p>
             <a:fld id="{E15B7D8E-2A20-4C0E-991C-872DBB7459A8}" type="datetimeFigureOut">
               <a:rPr lang="da-DK" smtClean="0"/>
-              <a:t>11-08-2022</a:t>
+              <a:t>24-08-2024</a:t>
             </a:fld>
             <a:endParaRPr lang="da-DK"/>
           </a:p>
@@ -789,7 +789,7 @@
           <a:p>
             <a:fld id="{E15B7D8E-2A20-4C0E-991C-872DBB7459A8}" type="datetimeFigureOut">
               <a:rPr lang="da-DK" smtClean="0"/>
-              <a:t>11-08-2022</a:t>
+              <a:t>24-08-2024</a:t>
             </a:fld>
             <a:endParaRPr lang="da-DK"/>
           </a:p>
@@ -1034,7 +1034,7 @@
           <a:p>
             <a:fld id="{E15B7D8E-2A20-4C0E-991C-872DBB7459A8}" type="datetimeFigureOut">
               <a:rPr lang="da-DK" smtClean="0"/>
-              <a:t>11-08-2022</a:t>
+              <a:t>24-08-2024</a:t>
             </a:fld>
             <a:endParaRPr lang="da-DK"/>
           </a:p>
@@ -1263,7 +1263,7 @@
           <a:p>
             <a:fld id="{E15B7D8E-2A20-4C0E-991C-872DBB7459A8}" type="datetimeFigureOut">
               <a:rPr lang="da-DK" smtClean="0"/>
-              <a:t>11-08-2022</a:t>
+              <a:t>24-08-2024</a:t>
             </a:fld>
             <a:endParaRPr lang="da-DK"/>
           </a:p>
@@ -1627,7 +1627,7 @@
           <a:p>
             <a:fld id="{E15B7D8E-2A20-4C0E-991C-872DBB7459A8}" type="datetimeFigureOut">
               <a:rPr lang="da-DK" smtClean="0"/>
-              <a:t>11-08-2022</a:t>
+              <a:t>24-08-2024</a:t>
             </a:fld>
             <a:endParaRPr lang="da-DK"/>
           </a:p>
@@ -1744,7 +1744,7 @@
           <a:p>
             <a:fld id="{E15B7D8E-2A20-4C0E-991C-872DBB7459A8}" type="datetimeFigureOut">
               <a:rPr lang="da-DK" smtClean="0"/>
-              <a:t>11-08-2022</a:t>
+              <a:t>24-08-2024</a:t>
             </a:fld>
             <a:endParaRPr lang="da-DK"/>
           </a:p>
@@ -1839,7 +1839,7 @@
           <a:p>
             <a:fld id="{E15B7D8E-2A20-4C0E-991C-872DBB7459A8}" type="datetimeFigureOut">
               <a:rPr lang="da-DK" smtClean="0"/>
-              <a:t>11-08-2022</a:t>
+              <a:t>24-08-2024</a:t>
             </a:fld>
             <a:endParaRPr lang="da-DK"/>
           </a:p>
@@ -2114,7 +2114,7 @@
           <a:p>
             <a:fld id="{E15B7D8E-2A20-4C0E-991C-872DBB7459A8}" type="datetimeFigureOut">
               <a:rPr lang="da-DK" smtClean="0"/>
-              <a:t>11-08-2022</a:t>
+              <a:t>24-08-2024</a:t>
             </a:fld>
             <a:endParaRPr lang="da-DK"/>
           </a:p>
@@ -2366,7 +2366,7 @@
           <a:p>
             <a:fld id="{E15B7D8E-2A20-4C0E-991C-872DBB7459A8}" type="datetimeFigureOut">
               <a:rPr lang="da-DK" smtClean="0"/>
-              <a:t>11-08-2022</a:t>
+              <a:t>24-08-2024</a:t>
             </a:fld>
             <a:endParaRPr lang="da-DK"/>
           </a:p>
@@ -2577,7 +2577,7 @@
           <a:p>
             <a:fld id="{E15B7D8E-2A20-4C0E-991C-872DBB7459A8}" type="datetimeFigureOut">
               <a:rPr lang="da-DK" smtClean="0"/>
-              <a:t>11-08-2022</a:t>
+              <a:t>24-08-2024</a:t>
             </a:fld>
             <a:endParaRPr lang="da-DK"/>
           </a:p>
@@ -2994,7 +2994,7 @@
         </p:nvSpPr>
         <p:spPr>
           <a:xfrm>
-            <a:off x="1524000" y="1176506"/>
+            <a:off x="1524000" y="1236141"/>
             <a:ext cx="9144000" cy="3144837"/>
           </a:xfrm>
         </p:spPr>
